--- a/slides/junit5_basics.pptx
+++ b/slides/junit5_basics.pptx
@@ -1694,11 +1694,66 @@
             </a:pPr>
             <a:r>
               <a:rPr lang="en-US" dirty="0"/>
-              <a:t>Distinguish tests with annotation, run </a:t>
-            </a:r>
-            <a:r>
-              <a:rPr lang="en-US"/>
-              <a:t>them separately</a:t>
+              <a:t>Before, After </a:t>
+            </a:r>
+            <a:r>
+              <a:rPr lang="en-US" dirty="0" err="1"/>
+              <a:t>BeforeAll</a:t>
+            </a:r>
+            <a:r>
+              <a:rPr lang="en-US" dirty="0"/>
+              <a:t>, </a:t>
+            </a:r>
+            <a:r>
+              <a:rPr lang="en-US" dirty="0" err="1"/>
+              <a:t>AfterAll</a:t>
+            </a:r>
+            <a:endParaRPr lang="en-US" dirty="0"/>
+          </a:p>
+          <a:p>
+            <a:pPr marL="171450" indent="-171450">
+              <a:buFont typeface="Arial" panose="020B0604020202020204" pitchFamily="34" charset="0"/>
+              <a:buChar char="•"/>
+            </a:pPr>
+            <a:r>
+              <a:rPr lang="en-US" dirty="0"/>
+              <a:t>Distinguish tests with annotation, run them separately</a:t>
+            </a:r>
+          </a:p>
+          <a:p>
+            <a:pPr marL="171450" indent="-171450">
+              <a:buFont typeface="Arial" panose="020B0604020202020204" pitchFamily="34" charset="0"/>
+              <a:buChar char="•"/>
+            </a:pPr>
+            <a:r>
+              <a:rPr lang="en-US" dirty="0" err="1">
+                <a:solidFill>
+                  <a:srgbClr val="000077"/>
+                </a:solidFill>
+                <a:effectLst/>
+              </a:rPr>
+              <a:t>EnabledIfSystemProperty</a:t>
+            </a:r>
+            <a:endParaRPr lang="en-US" dirty="0">
+              <a:solidFill>
+                <a:srgbClr val="000077"/>
+              </a:solidFill>
+              <a:effectLst/>
+            </a:endParaRPr>
+          </a:p>
+          <a:p>
+            <a:pPr marL="171450" indent="-171450">
+              <a:buFont typeface="Arial" panose="020B0604020202020204" pitchFamily="34" charset="0"/>
+              <a:buChar char="•"/>
+            </a:pPr>
+            <a:r>
+              <a:rPr lang="en-US">
+                <a:solidFill>
+                  <a:srgbClr val="000077"/>
+                </a:solidFill>
+                <a:effectLst/>
+              </a:rPr>
+              <a:t>DisabledIfEnvironmentVariable</a:t>
             </a:r>
             <a:endParaRPr lang="en-US" dirty="0"/>
           </a:p>
@@ -25017,6 +25072,200 @@
   <p:clrMapOvr>
     <a:masterClrMapping/>
   </p:clrMapOvr>
+  <p:timing>
+    <p:tnLst>
+      <p:par>
+        <p:cTn id="1" dur="indefinite" restart="never" nodeType="tmRoot">
+          <p:childTnLst>
+            <p:seq concurrent="1" nextAc="seek">
+              <p:cTn id="2" dur="indefinite" nodeType="mainSeq">
+                <p:childTnLst>
+                  <p:par>
+                    <p:cTn id="3" fill="hold">
+                      <p:stCondLst>
+                        <p:cond delay="indefinite"/>
+                      </p:stCondLst>
+                      <p:childTnLst>
+                        <p:par>
+                          <p:cTn id="4" fill="hold">
+                            <p:stCondLst>
+                              <p:cond delay="0"/>
+                            </p:stCondLst>
+                            <p:childTnLst>
+                              <p:par>
+                                <p:cTn id="5" presetID="10" presetClass="entr" presetSubtype="0" fill="hold" grpId="0" nodeType="clickEffect">
+                                  <p:stCondLst>
+                                    <p:cond delay="0"/>
+                                  </p:stCondLst>
+                                  <p:childTnLst>
+                                    <p:set>
+                                      <p:cBhvr>
+                                        <p:cTn id="6" dur="1" fill="hold">
+                                          <p:stCondLst>
+                                            <p:cond delay="0"/>
+                                          </p:stCondLst>
+                                        </p:cTn>
+                                        <p:tgtEl>
+                                          <p:spTgt spid="2"/>
+                                        </p:tgtEl>
+                                        <p:attrNameLst>
+                                          <p:attrName>style.visibility</p:attrName>
+                                        </p:attrNameLst>
+                                      </p:cBhvr>
+                                      <p:to>
+                                        <p:strVal val="visible"/>
+                                      </p:to>
+                                    </p:set>
+                                    <p:animEffect transition="in" filter="fade">
+                                      <p:cBhvr>
+                                        <p:cTn id="7" dur="500"/>
+                                        <p:tgtEl>
+                                          <p:spTgt spid="2"/>
+                                        </p:tgtEl>
+                                      </p:cBhvr>
+                                    </p:animEffect>
+                                  </p:childTnLst>
+                                </p:cTn>
+                              </p:par>
+                            </p:childTnLst>
+                          </p:cTn>
+                        </p:par>
+                      </p:childTnLst>
+                    </p:cTn>
+                  </p:par>
+                  <p:par>
+                    <p:cTn id="8" fill="hold">
+                      <p:stCondLst>
+                        <p:cond delay="indefinite"/>
+                      </p:stCondLst>
+                      <p:childTnLst>
+                        <p:par>
+                          <p:cTn id="9" fill="hold">
+                            <p:stCondLst>
+                              <p:cond delay="0"/>
+                            </p:stCondLst>
+                            <p:childTnLst>
+                              <p:par>
+                                <p:cTn id="10" presetID="10" presetClass="entr" presetSubtype="0" fill="hold" grpId="0" nodeType="clickEffect">
+                                  <p:stCondLst>
+                                    <p:cond delay="0"/>
+                                  </p:stCondLst>
+                                  <p:childTnLst>
+                                    <p:set>
+                                      <p:cBhvr>
+                                        <p:cTn id="11" dur="1" fill="hold">
+                                          <p:stCondLst>
+                                            <p:cond delay="0"/>
+                                          </p:stCondLst>
+                                        </p:cTn>
+                                        <p:tgtEl>
+                                          <p:spTgt spid="4"/>
+                                        </p:tgtEl>
+                                        <p:attrNameLst>
+                                          <p:attrName>style.visibility</p:attrName>
+                                        </p:attrNameLst>
+                                      </p:cBhvr>
+                                      <p:to>
+                                        <p:strVal val="visible"/>
+                                      </p:to>
+                                    </p:set>
+                                    <p:animEffect transition="in" filter="fade">
+                                      <p:cBhvr>
+                                        <p:cTn id="12" dur="500"/>
+                                        <p:tgtEl>
+                                          <p:spTgt spid="4"/>
+                                        </p:tgtEl>
+                                      </p:cBhvr>
+                                    </p:animEffect>
+                                  </p:childTnLst>
+                                </p:cTn>
+                              </p:par>
+                            </p:childTnLst>
+                          </p:cTn>
+                        </p:par>
+                      </p:childTnLst>
+                    </p:cTn>
+                  </p:par>
+                  <p:par>
+                    <p:cTn id="13" fill="hold">
+                      <p:stCondLst>
+                        <p:cond delay="indefinite"/>
+                      </p:stCondLst>
+                      <p:childTnLst>
+                        <p:par>
+                          <p:cTn id="14" fill="hold">
+                            <p:stCondLst>
+                              <p:cond delay="0"/>
+                            </p:stCondLst>
+                            <p:childTnLst>
+                              <p:par>
+                                <p:cTn id="15" presetID="10" presetClass="entr" presetSubtype="0" fill="hold" grpId="0" nodeType="clickEffect">
+                                  <p:stCondLst>
+                                    <p:cond delay="0"/>
+                                  </p:stCondLst>
+                                  <p:childTnLst>
+                                    <p:set>
+                                      <p:cBhvr>
+                                        <p:cTn id="16" dur="1" fill="hold">
+                                          <p:stCondLst>
+                                            <p:cond delay="0"/>
+                                          </p:stCondLst>
+                                        </p:cTn>
+                                        <p:tgtEl>
+                                          <p:spTgt spid="7"/>
+                                        </p:tgtEl>
+                                        <p:attrNameLst>
+                                          <p:attrName>style.visibility</p:attrName>
+                                        </p:attrNameLst>
+                                      </p:cBhvr>
+                                      <p:to>
+                                        <p:strVal val="visible"/>
+                                      </p:to>
+                                    </p:set>
+                                    <p:animEffect transition="in" filter="fade">
+                                      <p:cBhvr>
+                                        <p:cTn id="17" dur="500"/>
+                                        <p:tgtEl>
+                                          <p:spTgt spid="7"/>
+                                        </p:tgtEl>
+                                      </p:cBhvr>
+                                    </p:animEffect>
+                                  </p:childTnLst>
+                                </p:cTn>
+                              </p:par>
+                            </p:childTnLst>
+                          </p:cTn>
+                        </p:par>
+                      </p:childTnLst>
+                    </p:cTn>
+                  </p:par>
+                </p:childTnLst>
+              </p:cTn>
+              <p:prevCondLst>
+                <p:cond evt="onPrev" delay="0">
+                  <p:tgtEl>
+                    <p:sldTgt/>
+                  </p:tgtEl>
+                </p:cond>
+              </p:prevCondLst>
+              <p:nextCondLst>
+                <p:cond evt="onNext" delay="0">
+                  <p:tgtEl>
+                    <p:sldTgt/>
+                  </p:tgtEl>
+                </p:cond>
+              </p:nextCondLst>
+            </p:seq>
+          </p:childTnLst>
+        </p:cTn>
+      </p:par>
+    </p:tnLst>
+    <p:bldLst>
+      <p:bldP spid="2" grpId="0" animBg="1"/>
+      <p:bldP spid="4" grpId="0" animBg="1"/>
+      <p:bldP spid="7" grpId="0" animBg="1"/>
+    </p:bldLst>
+  </p:timing>
 </p:sld>
 </file>
 

--- a/slides/junit5_basics.pptx
+++ b/slides/junit5_basics.pptx
@@ -7,10 +7,10 @@
     <p:sldMasterId id="2147483663" r:id="rId3"/>
   </p:sldMasterIdLst>
   <p:notesMasterIdLst>
-    <p:notesMasterId r:id="rId27"/>
+    <p:notesMasterId r:id="rId28"/>
   </p:notesMasterIdLst>
   <p:handoutMasterIdLst>
-    <p:handoutMasterId r:id="rId28"/>
+    <p:handoutMasterId r:id="rId29"/>
   </p:handoutMasterIdLst>
   <p:sldIdLst>
     <p:sldId id="256" r:id="rId4"/>
@@ -36,6 +36,7 @@
     <p:sldId id="297" r:id="rId24"/>
     <p:sldId id="295" r:id="rId25"/>
     <p:sldId id="301" r:id="rId26"/>
+    <p:sldId id="302" r:id="rId27"/>
   </p:sldIdLst>
   <p:sldSz cx="9144000" cy="5143500" type="screen16x9"/>
   <p:notesSz cx="6858000" cy="9144000"/>
@@ -238,7 +239,7 @@
           <a:p>
             <a:fld id="{3FDC14FC-A894-4869-A797-1EC82735D106}" type="datetimeFigureOut">
               <a:rPr lang="en-US" smtClean="0"/>
-              <a:t>9/11/2020</a:t>
+              <a:t>9/14/2020</a:t>
             </a:fld>
             <a:endParaRPr lang="en-US"/>
           </a:p>
@@ -403,7 +404,7 @@
           <a:p>
             <a:fld id="{B4F99C05-63F9-4248-8E20-3ACD9DF9DE7F}" type="datetimeFigureOut">
               <a:rPr lang="en-US" smtClean="0"/>
-              <a:t>9/11/2020</a:t>
+              <a:t>9/14/2020</a:t>
             </a:fld>
             <a:endParaRPr lang="en-US"/>
           </a:p>
@@ -961,7 +962,10 @@
               <a:buFont typeface="Arial" panose="020B0604020202020204" pitchFamily="34" charset="0"/>
               <a:buChar char="•"/>
             </a:pPr>
-            <a:endParaRPr lang="en-US" dirty="0"/>
+            <a:r>
+              <a:rPr lang="en-US" dirty="0"/>
+              <a:t>Mockito – basic features</a:t>
+            </a:r>
           </a:p>
           <a:p>
             <a:pPr marL="171450" indent="-171450">
@@ -10677,7 +10681,7 @@
           </a:ln>
           <a:extLst>
             <a:ext uri="{C572A759-6A51-4108-AA02-DFA0A04FC94B}">
-              <ma14:wrappingTextBoxFlag xmlns="" xmlns:ma14="http://schemas.microsoft.com/office/mac/drawingml/2011/main" val="1"/>
+              <ma14:wrappingTextBoxFlag xmlns:ma14="http://schemas.microsoft.com/office/mac/drawingml/2011/main" xmlns="" val="1"/>
             </a:ext>
           </a:extLst>
         </p:spPr>
@@ -11969,7 +11973,7 @@
           <a:p>
             <a:fld id="{09AE1A03-4B70-45D5-96E7-D979506502C0}" type="datetimeFigureOut">
               <a:rPr lang="en-US" smtClean="0"/>
-              <a:t>9/11/2020</a:t>
+              <a:t>9/14/2020</a:t>
             </a:fld>
             <a:endParaRPr lang="en-US"/>
           </a:p>
@@ -27717,7 +27721,7 @@
                                           </p:stCondLst>
                                         </p:cTn>
                                         <p:tgtEl>
-                                          <p:spTgt spid="11"/>
+                                          <p:spTgt spid="2"/>
                                         </p:tgtEl>
                                         <p:attrNameLst>
                                           <p:attrName>style.visibility</p:attrName>
@@ -27731,7 +27735,7 @@
                                       <p:cBhvr>
                                         <p:cTn id="7" dur="500"/>
                                         <p:tgtEl>
-                                          <p:spTgt spid="11"/>
+                                          <p:spTgt spid="2"/>
                                         </p:tgtEl>
                                       </p:cBhvr>
                                     </p:animEffect>
@@ -27752,7 +27756,7 @@
                                           </p:stCondLst>
                                         </p:cTn>
                                         <p:tgtEl>
-                                          <p:spTgt spid="13"/>
+                                          <p:spTgt spid="22"/>
                                         </p:tgtEl>
                                         <p:attrNameLst>
                                           <p:attrName>style.visibility</p:attrName>
@@ -27766,6 +27770,164 @@
                                       <p:cBhvr>
                                         <p:cTn id="10" dur="500"/>
                                         <p:tgtEl>
+                                          <p:spTgt spid="22"/>
+                                        </p:tgtEl>
+                                      </p:cBhvr>
+                                    </p:animEffect>
+                                  </p:childTnLst>
+                                </p:cTn>
+                              </p:par>
+                              <p:par>
+                                <p:cTn id="11" presetID="10" presetClass="exit" presetSubtype="0" fill="hold" grpId="0" nodeType="withEffect">
+                                  <p:stCondLst>
+                                    <p:cond delay="0"/>
+                                  </p:stCondLst>
+                                  <p:childTnLst>
+                                    <p:animEffect transition="out" filter="fade">
+                                      <p:cBhvr>
+                                        <p:cTn id="12" dur="500"/>
+                                        <p:tgtEl>
+                                          <p:spTgt spid="9"/>
+                                        </p:tgtEl>
+                                      </p:cBhvr>
+                                    </p:animEffect>
+                                    <p:set>
+                                      <p:cBhvr>
+                                        <p:cTn id="13" dur="1" fill="hold">
+                                          <p:stCondLst>
+                                            <p:cond delay="499"/>
+                                          </p:stCondLst>
+                                        </p:cTn>
+                                        <p:tgtEl>
+                                          <p:spTgt spid="9"/>
+                                        </p:tgtEl>
+                                        <p:attrNameLst>
+                                          <p:attrName>style.visibility</p:attrName>
+                                        </p:attrNameLst>
+                                      </p:cBhvr>
+                                      <p:to>
+                                        <p:strVal val="hidden"/>
+                                      </p:to>
+                                    </p:set>
+                                  </p:childTnLst>
+                                </p:cTn>
+                              </p:par>
+                              <p:par>
+                                <p:cTn id="14" presetID="10" presetClass="exit" presetSubtype="0" fill="hold" nodeType="withEffect">
+                                  <p:stCondLst>
+                                    <p:cond delay="0"/>
+                                  </p:stCondLst>
+                                  <p:childTnLst>
+                                    <p:animEffect transition="out" filter="fade">
+                                      <p:cBhvr>
+                                        <p:cTn id="15" dur="500"/>
+                                        <p:tgtEl>
+                                          <p:spTgt spid="10"/>
+                                        </p:tgtEl>
+                                      </p:cBhvr>
+                                    </p:animEffect>
+                                    <p:set>
+                                      <p:cBhvr>
+                                        <p:cTn id="16" dur="1" fill="hold">
+                                          <p:stCondLst>
+                                            <p:cond delay="499"/>
+                                          </p:stCondLst>
+                                        </p:cTn>
+                                        <p:tgtEl>
+                                          <p:spTgt spid="10"/>
+                                        </p:tgtEl>
+                                        <p:attrNameLst>
+                                          <p:attrName>style.visibility</p:attrName>
+                                        </p:attrNameLst>
+                                      </p:cBhvr>
+                                      <p:to>
+                                        <p:strVal val="hidden"/>
+                                      </p:to>
+                                    </p:set>
+                                  </p:childTnLst>
+                                </p:cTn>
+                              </p:par>
+                            </p:childTnLst>
+                          </p:cTn>
+                        </p:par>
+                      </p:childTnLst>
+                    </p:cTn>
+                  </p:par>
+                  <p:par>
+                    <p:cTn id="17" fill="hold">
+                      <p:stCondLst>
+                        <p:cond delay="indefinite"/>
+                      </p:stCondLst>
+                      <p:childTnLst>
+                        <p:par>
+                          <p:cTn id="18" fill="hold">
+                            <p:stCondLst>
+                              <p:cond delay="0"/>
+                            </p:stCondLst>
+                            <p:childTnLst>
+                              <p:par>
+                                <p:cTn id="19" presetID="10" presetClass="entr" presetSubtype="0" fill="hold" grpId="0" nodeType="clickEffect">
+                                  <p:stCondLst>
+                                    <p:cond delay="0"/>
+                                  </p:stCondLst>
+                                  <p:childTnLst>
+                                    <p:set>
+                                      <p:cBhvr>
+                                        <p:cTn id="20" dur="1" fill="hold">
+                                          <p:stCondLst>
+                                            <p:cond delay="0"/>
+                                          </p:stCondLst>
+                                        </p:cTn>
+                                        <p:tgtEl>
+                                          <p:spTgt spid="11"/>
+                                        </p:tgtEl>
+                                        <p:attrNameLst>
+                                          <p:attrName>style.visibility</p:attrName>
+                                        </p:attrNameLst>
+                                      </p:cBhvr>
+                                      <p:to>
+                                        <p:strVal val="visible"/>
+                                      </p:to>
+                                    </p:set>
+                                    <p:animEffect transition="in" filter="fade">
+                                      <p:cBhvr>
+                                        <p:cTn id="21" dur="500"/>
+                                        <p:tgtEl>
+                                          <p:spTgt spid="11"/>
+                                        </p:tgtEl>
+                                      </p:cBhvr>
+                                    </p:animEffect>
+                                  </p:childTnLst>
+                                </p:cTn>
+                              </p:par>
+                              <p:par>
+                                <p:cTn id="22" presetID="10" presetClass="entr" presetSubtype="0" fill="hold" nodeType="withEffect">
+                                  <p:stCondLst>
+                                    <p:cond delay="0"/>
+                                  </p:stCondLst>
+                                  <p:childTnLst>
+                                    <p:set>
+                                      <p:cBhvr>
+                                        <p:cTn id="23" dur="1" fill="hold">
+                                          <p:stCondLst>
+                                            <p:cond delay="0"/>
+                                          </p:stCondLst>
+                                        </p:cTn>
+                                        <p:tgtEl>
+                                          <p:spTgt spid="13"/>
+                                        </p:tgtEl>
+                                        <p:attrNameLst>
+                                          <p:attrName>style.visibility</p:attrName>
+                                        </p:attrNameLst>
+                                      </p:cBhvr>
+                                      <p:to>
+                                        <p:strVal val="visible"/>
+                                      </p:to>
+                                    </p:set>
+                                    <p:animEffect transition="in" filter="fade">
+                                      <p:cBhvr>
+                                        <p:cTn id="24" dur="500"/>
+                                        <p:tgtEl>
                                           <p:spTgt spid="13"/>
                                         </p:tgtEl>
                                       </p:cBhvr>
@@ -27774,14 +27936,14 @@
                                 </p:cTn>
                               </p:par>
                               <p:par>
-                                <p:cTn id="11" presetID="10" presetClass="entr" presetSubtype="0" fill="hold" grpId="0" nodeType="withEffect">
+                                <p:cTn id="25" presetID="10" presetClass="entr" presetSubtype="0" fill="hold" grpId="0" nodeType="withEffect">
                                   <p:stCondLst>
                                     <p:cond delay="0"/>
                                   </p:stCondLst>
                                   <p:childTnLst>
                                     <p:set>
                                       <p:cBhvr>
-                                        <p:cTn id="12" dur="1" fill="hold">
+                                        <p:cTn id="26" dur="1" fill="hold">
                                           <p:stCondLst>
                                             <p:cond delay="0"/>
                                           </p:stCondLst>
@@ -27799,7 +27961,7 @@
                                     </p:set>
                                     <p:animEffect transition="in" filter="fade">
                                       <p:cBhvr>
-                                        <p:cTn id="13" dur="500"/>
+                                        <p:cTn id="27" dur="500"/>
                                         <p:tgtEl>
                                           <p:spTgt spid="8"/>
                                         </p:tgtEl>
@@ -27808,15 +27970,121 @@
                                   </p:childTnLst>
                                 </p:cTn>
                               </p:par>
+                            </p:childTnLst>
+                          </p:cTn>
+                        </p:par>
+                      </p:childTnLst>
+                    </p:cTn>
+                  </p:par>
+                  <p:par>
+                    <p:cTn id="28" fill="hold">
+                      <p:stCondLst>
+                        <p:cond delay="indefinite"/>
+                      </p:stCondLst>
+                      <p:childTnLst>
+                        <p:par>
+                          <p:cTn id="29" fill="hold">
+                            <p:stCondLst>
+                              <p:cond delay="0"/>
+                            </p:stCondLst>
+                            <p:childTnLst>
                               <p:par>
-                                <p:cTn id="14" presetID="10" presetClass="entr" presetSubtype="0" fill="hold" grpId="0" nodeType="withEffect">
+                                <p:cTn id="30" presetID="10" presetClass="entr" presetSubtype="0" fill="hold" grpId="0" nodeType="clickEffect">
                                   <p:stCondLst>
                                     <p:cond delay="0"/>
                                   </p:stCondLst>
                                   <p:childTnLst>
                                     <p:set>
                                       <p:cBhvr>
-                                        <p:cTn id="15" dur="1" fill="hold">
+                                        <p:cTn id="31" dur="1" fill="hold">
+                                          <p:stCondLst>
+                                            <p:cond delay="0"/>
+                                          </p:stCondLst>
+                                        </p:cTn>
+                                        <p:tgtEl>
+                                          <p:spTgt spid="17"/>
+                                        </p:tgtEl>
+                                        <p:attrNameLst>
+                                          <p:attrName>style.visibility</p:attrName>
+                                        </p:attrNameLst>
+                                      </p:cBhvr>
+                                      <p:to>
+                                        <p:strVal val="visible"/>
+                                      </p:to>
+                                    </p:set>
+                                    <p:animEffect transition="in" filter="fade">
+                                      <p:cBhvr>
+                                        <p:cTn id="32" dur="500"/>
+                                        <p:tgtEl>
+                                          <p:spTgt spid="17"/>
+                                        </p:tgtEl>
+                                      </p:cBhvr>
+                                    </p:animEffect>
+                                  </p:childTnLst>
+                                </p:cTn>
+                              </p:par>
+                              <p:par>
+                                <p:cTn id="33" presetID="10" presetClass="entr" presetSubtype="0" fill="hold" nodeType="withEffect">
+                                  <p:stCondLst>
+                                    <p:cond delay="0"/>
+                                  </p:stCondLst>
+                                  <p:childTnLst>
+                                    <p:set>
+                                      <p:cBhvr>
+                                        <p:cTn id="34" dur="1" fill="hold">
+                                          <p:stCondLst>
+                                            <p:cond delay="0"/>
+                                          </p:stCondLst>
+                                        </p:cTn>
+                                        <p:tgtEl>
+                                          <p:spTgt spid="18"/>
+                                        </p:tgtEl>
+                                        <p:attrNameLst>
+                                          <p:attrName>style.visibility</p:attrName>
+                                        </p:attrNameLst>
+                                      </p:cBhvr>
+                                      <p:to>
+                                        <p:strVal val="visible"/>
+                                      </p:to>
+                                    </p:set>
+                                    <p:animEffect transition="in" filter="fade">
+                                      <p:cBhvr>
+                                        <p:cTn id="35" dur="500"/>
+                                        <p:tgtEl>
+                                          <p:spTgt spid="18"/>
+                                        </p:tgtEl>
+                                      </p:cBhvr>
+                                    </p:animEffect>
+                                  </p:childTnLst>
+                                </p:cTn>
+                              </p:par>
+                            </p:childTnLst>
+                          </p:cTn>
+                        </p:par>
+                      </p:childTnLst>
+                    </p:cTn>
+                  </p:par>
+                  <p:par>
+                    <p:cTn id="36" fill="hold">
+                      <p:stCondLst>
+                        <p:cond delay="indefinite"/>
+                      </p:stCondLst>
+                      <p:childTnLst>
+                        <p:par>
+                          <p:cTn id="37" fill="hold">
+                            <p:stCondLst>
+                              <p:cond delay="0"/>
+                            </p:stCondLst>
+                            <p:childTnLst>
+                              <p:par>
+                                <p:cTn id="38" presetID="10" presetClass="entr" presetSubtype="0" fill="hold" grpId="0" nodeType="clickEffect">
+                                  <p:stCondLst>
+                                    <p:cond delay="0"/>
+                                  </p:stCondLst>
+                                  <p:childTnLst>
+                                    <p:set>
+                                      <p:cBhvr>
+                                        <p:cTn id="39" dur="1" fill="hold">
                                           <p:stCondLst>
                                             <p:cond delay="0"/>
                                           </p:stCondLst>
@@ -27834,7 +28102,7 @@
                                     </p:set>
                                     <p:animEffect transition="in" filter="fade">
                                       <p:cBhvr>
-                                        <p:cTn id="16" dur="500"/>
+                                        <p:cTn id="40" dur="500"/>
                                         <p:tgtEl>
                                           <p:spTgt spid="12"/>
                                         </p:tgtEl>
@@ -27844,14 +28112,14 @@
                                 </p:cTn>
                               </p:par>
                               <p:par>
-                                <p:cTn id="17" presetID="10" presetClass="entr" presetSubtype="0" fill="hold" nodeType="withEffect">
+                                <p:cTn id="41" presetID="10" presetClass="entr" presetSubtype="0" fill="hold" nodeType="withEffect">
                                   <p:stCondLst>
                                     <p:cond delay="0"/>
                                   </p:stCondLst>
                                   <p:childTnLst>
                                     <p:set>
                                       <p:cBhvr>
-                                        <p:cTn id="18" dur="1" fill="hold">
+                                        <p:cTn id="42" dur="1" fill="hold">
                                           <p:stCondLst>
                                             <p:cond delay="0"/>
                                           </p:stCondLst>
@@ -27869,97 +28137,9 @@
                                     </p:set>
                                     <p:animEffect transition="in" filter="fade">
                                       <p:cBhvr>
-                                        <p:cTn id="19" dur="500"/>
+                                        <p:cTn id="43" dur="500"/>
                                         <p:tgtEl>
                                           <p:spTgt spid="14"/>
-                                        </p:tgtEl>
-                                      </p:cBhvr>
-                                    </p:animEffect>
-                                  </p:childTnLst>
-                                </p:cTn>
-                              </p:par>
-                            </p:childTnLst>
-                          </p:cTn>
-                        </p:par>
-                      </p:childTnLst>
-                    </p:cTn>
-                  </p:par>
-                  <p:par>
-                    <p:cTn id="20" fill="hold">
-                      <p:stCondLst>
-                        <p:cond delay="indefinite"/>
-                      </p:stCondLst>
-                      <p:childTnLst>
-                        <p:par>
-                          <p:cTn id="21" fill="hold">
-                            <p:stCondLst>
-                              <p:cond delay="0"/>
-                            </p:stCondLst>
-                            <p:childTnLst>
-                              <p:par>
-                                <p:cTn id="22" presetID="10" presetClass="entr" presetSubtype="0" fill="hold" grpId="0" nodeType="clickEffect">
-                                  <p:stCondLst>
-                                    <p:cond delay="0"/>
-                                  </p:stCondLst>
-                                  <p:childTnLst>
-                                    <p:set>
-                                      <p:cBhvr>
-                                        <p:cTn id="23" dur="1" fill="hold">
-                                          <p:stCondLst>
-                                            <p:cond delay="0"/>
-                                          </p:stCondLst>
-                                        </p:cTn>
-                                        <p:tgtEl>
-                                          <p:spTgt spid="17"/>
-                                        </p:tgtEl>
-                                        <p:attrNameLst>
-                                          <p:attrName>style.visibility</p:attrName>
-                                        </p:attrNameLst>
-                                      </p:cBhvr>
-                                      <p:to>
-                                        <p:strVal val="visible"/>
-                                      </p:to>
-                                    </p:set>
-                                    <p:animEffect transition="in" filter="fade">
-                                      <p:cBhvr>
-                                        <p:cTn id="24" dur="500"/>
-                                        <p:tgtEl>
-                                          <p:spTgt spid="17"/>
-                                        </p:tgtEl>
-                                      </p:cBhvr>
-                                    </p:animEffect>
-                                  </p:childTnLst>
-                                </p:cTn>
-                              </p:par>
-                              <p:par>
-                                <p:cTn id="25" presetID="10" presetClass="entr" presetSubtype="0" fill="hold" nodeType="withEffect">
-                                  <p:stCondLst>
-                                    <p:cond delay="0"/>
-                                  </p:stCondLst>
-                                  <p:childTnLst>
-                                    <p:set>
-                                      <p:cBhvr>
-                                        <p:cTn id="26" dur="1" fill="hold">
-                                          <p:stCondLst>
-                                            <p:cond delay="0"/>
-                                          </p:stCondLst>
-                                        </p:cTn>
-                                        <p:tgtEl>
-                                          <p:spTgt spid="18"/>
-                                        </p:tgtEl>
-                                        <p:attrNameLst>
-                                          <p:attrName>style.visibility</p:attrName>
-                                        </p:attrNameLst>
-                                      </p:cBhvr>
-                                      <p:to>
-                                        <p:strVal val="visible"/>
-                                      </p:to>
-                                    </p:set>
-                                    <p:animEffect transition="in" filter="fade">
-                                      <p:cBhvr>
-                                        <p:cTn id="27" dur="500"/>
-                                        <p:tgtEl>
-                                          <p:spTgt spid="18"/>
                                         </p:tgtEl>
                                       </p:cBhvr>
                                     </p:animEffect>
@@ -27994,6 +28174,8 @@
       </p:par>
     </p:tnLst>
     <p:bldLst>
+      <p:bldP spid="9" grpId="0" animBg="1"/>
+      <p:bldP spid="2" grpId="0" animBg="1"/>
       <p:bldP spid="8" grpId="0" animBg="1"/>
       <p:bldP spid="11" grpId="0" animBg="1"/>
       <p:bldP spid="12" grpId="0" animBg="1"/>
@@ -29253,15 +29435,261 @@
                                   </p:childTnLst>
                                 </p:cTn>
                               </p:par>
+                            </p:childTnLst>
+                          </p:cTn>
+                        </p:par>
+                      </p:childTnLst>
+                    </p:cTn>
+                  </p:par>
+                  <p:par>
+                    <p:cTn id="30" fill="hold">
+                      <p:stCondLst>
+                        <p:cond delay="indefinite"/>
+                      </p:stCondLst>
+                      <p:childTnLst>
+                        <p:par>
+                          <p:cTn id="31" fill="hold">
+                            <p:stCondLst>
+                              <p:cond delay="0"/>
+                            </p:stCondLst>
+                            <p:childTnLst>
                               <p:par>
-                                <p:cTn id="30" presetID="10" presetClass="entr" presetSubtype="0" fill="hold" nodeType="withEffect">
+                                <p:cTn id="32" presetID="10" presetClass="entr" presetSubtype="0" fill="hold" grpId="0" nodeType="clickEffect">
                                   <p:stCondLst>
                                     <p:cond delay="0"/>
                                   </p:stCondLst>
                                   <p:childTnLst>
                                     <p:set>
                                       <p:cBhvr>
-                                        <p:cTn id="31" dur="1" fill="hold">
+                                        <p:cTn id="33" dur="1" fill="hold">
+                                          <p:stCondLst>
+                                            <p:cond delay="0"/>
+                                          </p:stCondLst>
+                                        </p:cTn>
+                                        <p:tgtEl>
+                                          <p:spTgt spid="2"/>
+                                        </p:tgtEl>
+                                        <p:attrNameLst>
+                                          <p:attrName>style.visibility</p:attrName>
+                                        </p:attrNameLst>
+                                      </p:cBhvr>
+                                      <p:to>
+                                        <p:strVal val="visible"/>
+                                      </p:to>
+                                    </p:set>
+                                    <p:animEffect transition="in" filter="fade">
+                                      <p:cBhvr>
+                                        <p:cTn id="34" dur="500"/>
+                                        <p:tgtEl>
+                                          <p:spTgt spid="2"/>
+                                        </p:tgtEl>
+                                      </p:cBhvr>
+                                    </p:animEffect>
+                                  </p:childTnLst>
+                                </p:cTn>
+                              </p:par>
+                              <p:par>
+                                <p:cTn id="35" presetID="10" presetClass="entr" presetSubtype="0" fill="hold" nodeType="withEffect">
+                                  <p:stCondLst>
+                                    <p:cond delay="0"/>
+                                  </p:stCondLst>
+                                  <p:childTnLst>
+                                    <p:set>
+                                      <p:cBhvr>
+                                        <p:cTn id="36" dur="1" fill="hold">
+                                          <p:stCondLst>
+                                            <p:cond delay="0"/>
+                                          </p:stCondLst>
+                                        </p:cTn>
+                                        <p:tgtEl>
+                                          <p:spTgt spid="19"/>
+                                        </p:tgtEl>
+                                        <p:attrNameLst>
+                                          <p:attrName>style.visibility</p:attrName>
+                                        </p:attrNameLst>
+                                      </p:cBhvr>
+                                      <p:to>
+                                        <p:strVal val="visible"/>
+                                      </p:to>
+                                    </p:set>
+                                    <p:animEffect transition="in" filter="fade">
+                                      <p:cBhvr>
+                                        <p:cTn id="37" dur="500"/>
+                                        <p:tgtEl>
+                                          <p:spTgt spid="19"/>
+                                        </p:tgtEl>
+                                      </p:cBhvr>
+                                    </p:animEffect>
+                                  </p:childTnLst>
+                                </p:cTn>
+                              </p:par>
+                              <p:par>
+                                <p:cTn id="38" presetID="10" presetClass="exit" presetSubtype="0" fill="hold" grpId="0" nodeType="withEffect">
+                                  <p:stCondLst>
+                                    <p:cond delay="0"/>
+                                  </p:stCondLst>
+                                  <p:childTnLst>
+                                    <p:animEffect transition="out" filter="fade">
+                                      <p:cBhvr>
+                                        <p:cTn id="39" dur="500"/>
+                                        <p:tgtEl>
+                                          <p:spTgt spid="9"/>
+                                        </p:tgtEl>
+                                      </p:cBhvr>
+                                    </p:animEffect>
+                                    <p:set>
+                                      <p:cBhvr>
+                                        <p:cTn id="40" dur="1" fill="hold">
+                                          <p:stCondLst>
+                                            <p:cond delay="499"/>
+                                          </p:stCondLst>
+                                        </p:cTn>
+                                        <p:tgtEl>
+                                          <p:spTgt spid="9"/>
+                                        </p:tgtEl>
+                                        <p:attrNameLst>
+                                          <p:attrName>style.visibility</p:attrName>
+                                        </p:attrNameLst>
+                                      </p:cBhvr>
+                                      <p:to>
+                                        <p:strVal val="hidden"/>
+                                      </p:to>
+                                    </p:set>
+                                  </p:childTnLst>
+                                </p:cTn>
+                              </p:par>
+                              <p:par>
+                                <p:cTn id="41" presetID="10" presetClass="exit" presetSubtype="0" fill="hold" nodeType="withEffect">
+                                  <p:stCondLst>
+                                    <p:cond delay="0"/>
+                                  </p:stCondLst>
+                                  <p:childTnLst>
+                                    <p:animEffect transition="out" filter="fade">
+                                      <p:cBhvr>
+                                        <p:cTn id="42" dur="500"/>
+                                        <p:tgtEl>
+                                          <p:spTgt spid="23"/>
+                                        </p:tgtEl>
+                                      </p:cBhvr>
+                                    </p:animEffect>
+                                    <p:set>
+                                      <p:cBhvr>
+                                        <p:cTn id="43" dur="1" fill="hold">
+                                          <p:stCondLst>
+                                            <p:cond delay="499"/>
+                                          </p:stCondLst>
+                                        </p:cTn>
+                                        <p:tgtEl>
+                                          <p:spTgt spid="23"/>
+                                        </p:tgtEl>
+                                        <p:attrNameLst>
+                                          <p:attrName>style.visibility</p:attrName>
+                                        </p:attrNameLst>
+                                      </p:cBhvr>
+                                      <p:to>
+                                        <p:strVal val="hidden"/>
+                                      </p:to>
+                                    </p:set>
+                                  </p:childTnLst>
+                                </p:cTn>
+                              </p:par>
+                              <p:par>
+                                <p:cTn id="44" presetID="10" presetClass="exit" presetSubtype="0" fill="hold" nodeType="withEffect">
+                                  <p:stCondLst>
+                                    <p:cond delay="0"/>
+                                  </p:stCondLst>
+                                  <p:childTnLst>
+                                    <p:animEffect transition="out" filter="fade">
+                                      <p:cBhvr>
+                                        <p:cTn id="45" dur="500"/>
+                                        <p:tgtEl>
+                                          <p:spTgt spid="18"/>
+                                        </p:tgtEl>
+                                      </p:cBhvr>
+                                    </p:animEffect>
+                                    <p:set>
+                                      <p:cBhvr>
+                                        <p:cTn id="46" dur="1" fill="hold">
+                                          <p:stCondLst>
+                                            <p:cond delay="499"/>
+                                          </p:stCondLst>
+                                        </p:cTn>
+                                        <p:tgtEl>
+                                          <p:spTgt spid="18"/>
+                                        </p:tgtEl>
+                                        <p:attrNameLst>
+                                          <p:attrName>style.visibility</p:attrName>
+                                        </p:attrNameLst>
+                                      </p:cBhvr>
+                                      <p:to>
+                                        <p:strVal val="hidden"/>
+                                      </p:to>
+                                    </p:set>
+                                  </p:childTnLst>
+                                </p:cTn>
+                              </p:par>
+                              <p:par>
+                                <p:cTn id="47" presetID="10" presetClass="exit" presetSubtype="0" fill="hold" grpId="0" nodeType="withEffect">
+                                  <p:stCondLst>
+                                    <p:cond delay="0"/>
+                                  </p:stCondLst>
+                                  <p:childTnLst>
+                                    <p:animEffect transition="out" filter="fade">
+                                      <p:cBhvr>
+                                        <p:cTn id="48" dur="500"/>
+                                        <p:tgtEl>
+                                          <p:spTgt spid="17"/>
+                                        </p:tgtEl>
+                                      </p:cBhvr>
+                                    </p:animEffect>
+                                    <p:set>
+                                      <p:cBhvr>
+                                        <p:cTn id="49" dur="1" fill="hold">
+                                          <p:stCondLst>
+                                            <p:cond delay="499"/>
+                                          </p:stCondLst>
+                                        </p:cTn>
+                                        <p:tgtEl>
+                                          <p:spTgt spid="17"/>
+                                        </p:tgtEl>
+                                        <p:attrNameLst>
+                                          <p:attrName>style.visibility</p:attrName>
+                                        </p:attrNameLst>
+                                      </p:cBhvr>
+                                      <p:to>
+                                        <p:strVal val="hidden"/>
+                                      </p:to>
+                                    </p:set>
+                                  </p:childTnLst>
+                                </p:cTn>
+                              </p:par>
+                            </p:childTnLst>
+                          </p:cTn>
+                        </p:par>
+                      </p:childTnLst>
+                    </p:cTn>
+                  </p:par>
+                  <p:par>
+                    <p:cTn id="50" fill="hold">
+                      <p:stCondLst>
+                        <p:cond delay="indefinite"/>
+                      </p:stCondLst>
+                      <p:childTnLst>
+                        <p:par>
+                          <p:cTn id="51" fill="hold">
+                            <p:stCondLst>
+                              <p:cond delay="0"/>
+                            </p:stCondLst>
+                            <p:childTnLst>
+                              <p:par>
+                                <p:cTn id="52" presetID="10" presetClass="entr" presetSubtype="0" fill="hold" nodeType="clickEffect">
+                                  <p:stCondLst>
+                                    <p:cond delay="0"/>
+                                  </p:stCondLst>
+                                  <p:childTnLst>
+                                    <p:set>
+                                      <p:cBhvr>
+                                        <p:cTn id="53" dur="1" fill="hold">
                                           <p:stCondLst>
                                             <p:cond delay="0"/>
                                           </p:stCondLst>
@@ -29279,7 +29707,7 @@
                                     </p:set>
                                     <p:animEffect transition="in" filter="fade">
                                       <p:cBhvr>
-                                        <p:cTn id="32" dur="500"/>
+                                        <p:cTn id="54" dur="500"/>
                                         <p:tgtEl>
                                           <p:spTgt spid="27"/>
                                         </p:tgtEl>
@@ -29289,14 +29717,14 @@
                                 </p:cTn>
                               </p:par>
                               <p:par>
-                                <p:cTn id="33" presetID="10" presetClass="entr" presetSubtype="0" fill="hold" grpId="0" nodeType="withEffect">
+                                <p:cTn id="55" presetID="10" presetClass="entr" presetSubtype="0" fill="hold" grpId="0" nodeType="withEffect">
                                   <p:stCondLst>
                                     <p:cond delay="0"/>
                                   </p:stCondLst>
                                   <p:childTnLst>
                                     <p:set>
                                       <p:cBhvr>
-                                        <p:cTn id="34" dur="1" fill="hold">
+                                        <p:cTn id="56" dur="1" fill="hold">
                                           <p:stCondLst>
                                             <p:cond delay="0"/>
                                           </p:stCondLst>
@@ -29314,7 +29742,7 @@
                                     </p:set>
                                     <p:animEffect transition="in" filter="fade">
                                       <p:cBhvr>
-                                        <p:cTn id="35" dur="500"/>
+                                        <p:cTn id="57" dur="500"/>
                                         <p:tgtEl>
                                           <p:spTgt spid="26"/>
                                         </p:tgtEl>
@@ -29323,15 +29751,121 @@
                                   </p:childTnLst>
                                 </p:cTn>
                               </p:par>
+                            </p:childTnLst>
+                          </p:cTn>
+                        </p:par>
+                      </p:childTnLst>
+                    </p:cTn>
+                  </p:par>
+                  <p:par>
+                    <p:cTn id="58" fill="hold">
+                      <p:stCondLst>
+                        <p:cond delay="indefinite"/>
+                      </p:stCondLst>
+                      <p:childTnLst>
+                        <p:par>
+                          <p:cTn id="59" fill="hold">
+                            <p:stCondLst>
+                              <p:cond delay="0"/>
+                            </p:stCondLst>
+                            <p:childTnLst>
                               <p:par>
-                                <p:cTn id="36" presetID="10" presetClass="entr" presetSubtype="0" fill="hold" grpId="0" nodeType="withEffect">
+                                <p:cTn id="60" presetID="10" presetClass="entr" presetSubtype="0" fill="hold" grpId="0" nodeType="clickEffect">
                                   <p:stCondLst>
                                     <p:cond delay="0"/>
                                   </p:stCondLst>
                                   <p:childTnLst>
                                     <p:set>
                                       <p:cBhvr>
-                                        <p:cTn id="37" dur="1" fill="hold">
+                                        <p:cTn id="61" dur="1" fill="hold">
+                                          <p:stCondLst>
+                                            <p:cond delay="0"/>
+                                          </p:stCondLst>
+                                        </p:cTn>
+                                        <p:tgtEl>
+                                          <p:spTgt spid="30"/>
+                                        </p:tgtEl>
+                                        <p:attrNameLst>
+                                          <p:attrName>style.visibility</p:attrName>
+                                        </p:attrNameLst>
+                                      </p:cBhvr>
+                                      <p:to>
+                                        <p:strVal val="visible"/>
+                                      </p:to>
+                                    </p:set>
+                                    <p:animEffect transition="in" filter="fade">
+                                      <p:cBhvr>
+                                        <p:cTn id="62" dur="500"/>
+                                        <p:tgtEl>
+                                          <p:spTgt spid="30"/>
+                                        </p:tgtEl>
+                                      </p:cBhvr>
+                                    </p:animEffect>
+                                  </p:childTnLst>
+                                </p:cTn>
+                              </p:par>
+                              <p:par>
+                                <p:cTn id="63" presetID="10" presetClass="entr" presetSubtype="0" fill="hold" nodeType="withEffect">
+                                  <p:stCondLst>
+                                    <p:cond delay="0"/>
+                                  </p:stCondLst>
+                                  <p:childTnLst>
+                                    <p:set>
+                                      <p:cBhvr>
+                                        <p:cTn id="64" dur="1" fill="hold">
+                                          <p:stCondLst>
+                                            <p:cond delay="0"/>
+                                          </p:stCondLst>
+                                        </p:cTn>
+                                        <p:tgtEl>
+                                          <p:spTgt spid="31"/>
+                                        </p:tgtEl>
+                                        <p:attrNameLst>
+                                          <p:attrName>style.visibility</p:attrName>
+                                        </p:attrNameLst>
+                                      </p:cBhvr>
+                                      <p:to>
+                                        <p:strVal val="visible"/>
+                                      </p:to>
+                                    </p:set>
+                                    <p:animEffect transition="in" filter="fade">
+                                      <p:cBhvr>
+                                        <p:cTn id="65" dur="500"/>
+                                        <p:tgtEl>
+                                          <p:spTgt spid="31"/>
+                                        </p:tgtEl>
+                                      </p:cBhvr>
+                                    </p:animEffect>
+                                  </p:childTnLst>
+                                </p:cTn>
+                              </p:par>
+                            </p:childTnLst>
+                          </p:cTn>
+                        </p:par>
+                      </p:childTnLst>
+                    </p:cTn>
+                  </p:par>
+                  <p:par>
+                    <p:cTn id="66" fill="hold">
+                      <p:stCondLst>
+                        <p:cond delay="indefinite"/>
+                      </p:stCondLst>
+                      <p:childTnLst>
+                        <p:par>
+                          <p:cTn id="67" fill="hold">
+                            <p:stCondLst>
+                              <p:cond delay="0"/>
+                            </p:stCondLst>
+                            <p:childTnLst>
+                              <p:par>
+                                <p:cTn id="68" presetID="10" presetClass="entr" presetSubtype="0" fill="hold" grpId="0" nodeType="clickEffect">
+                                  <p:stCondLst>
+                                    <p:cond delay="0"/>
+                                  </p:stCondLst>
+                                  <p:childTnLst>
+                                    <p:set>
+                                      <p:cBhvr>
+                                        <p:cTn id="69" dur="1" fill="hold">
                                           <p:stCondLst>
                                             <p:cond delay="0"/>
                                           </p:stCondLst>
@@ -29349,7 +29883,7 @@
                                     </p:set>
                                     <p:animEffect transition="in" filter="fade">
                                       <p:cBhvr>
-                                        <p:cTn id="38" dur="500"/>
+                                        <p:cTn id="70" dur="500"/>
                                         <p:tgtEl>
                                           <p:spTgt spid="28"/>
                                         </p:tgtEl>
@@ -29359,14 +29893,14 @@
                                 </p:cTn>
                               </p:par>
                               <p:par>
-                                <p:cTn id="39" presetID="10" presetClass="entr" presetSubtype="0" fill="hold" nodeType="withEffect">
+                                <p:cTn id="71" presetID="10" presetClass="entr" presetSubtype="0" fill="hold" nodeType="withEffect">
                                   <p:stCondLst>
                                     <p:cond delay="0"/>
                                   </p:stCondLst>
                                   <p:childTnLst>
                                     <p:set>
                                       <p:cBhvr>
-                                        <p:cTn id="40" dur="1" fill="hold">
+                                        <p:cTn id="72" dur="1" fill="hold">
                                           <p:stCondLst>
                                             <p:cond delay="0"/>
                                           </p:stCondLst>
@@ -29384,97 +29918,9 @@
                                     </p:set>
                                     <p:animEffect transition="in" filter="fade">
                                       <p:cBhvr>
-                                        <p:cTn id="41" dur="500"/>
+                                        <p:cTn id="73" dur="500"/>
                                         <p:tgtEl>
                                           <p:spTgt spid="29"/>
-                                        </p:tgtEl>
-                                      </p:cBhvr>
-                                    </p:animEffect>
-                                  </p:childTnLst>
-                                </p:cTn>
-                              </p:par>
-                            </p:childTnLst>
-                          </p:cTn>
-                        </p:par>
-                      </p:childTnLst>
-                    </p:cTn>
-                  </p:par>
-                  <p:par>
-                    <p:cTn id="42" fill="hold">
-                      <p:stCondLst>
-                        <p:cond delay="indefinite"/>
-                      </p:stCondLst>
-                      <p:childTnLst>
-                        <p:par>
-                          <p:cTn id="43" fill="hold">
-                            <p:stCondLst>
-                              <p:cond delay="0"/>
-                            </p:stCondLst>
-                            <p:childTnLst>
-                              <p:par>
-                                <p:cTn id="44" presetID="10" presetClass="entr" presetSubtype="0" fill="hold" grpId="0" nodeType="clickEffect">
-                                  <p:stCondLst>
-                                    <p:cond delay="0"/>
-                                  </p:stCondLst>
-                                  <p:childTnLst>
-                                    <p:set>
-                                      <p:cBhvr>
-                                        <p:cTn id="45" dur="1" fill="hold">
-                                          <p:stCondLst>
-                                            <p:cond delay="0"/>
-                                          </p:stCondLst>
-                                        </p:cTn>
-                                        <p:tgtEl>
-                                          <p:spTgt spid="30"/>
-                                        </p:tgtEl>
-                                        <p:attrNameLst>
-                                          <p:attrName>style.visibility</p:attrName>
-                                        </p:attrNameLst>
-                                      </p:cBhvr>
-                                      <p:to>
-                                        <p:strVal val="visible"/>
-                                      </p:to>
-                                    </p:set>
-                                    <p:animEffect transition="in" filter="fade">
-                                      <p:cBhvr>
-                                        <p:cTn id="46" dur="500"/>
-                                        <p:tgtEl>
-                                          <p:spTgt spid="30"/>
-                                        </p:tgtEl>
-                                      </p:cBhvr>
-                                    </p:animEffect>
-                                  </p:childTnLst>
-                                </p:cTn>
-                              </p:par>
-                              <p:par>
-                                <p:cTn id="47" presetID="10" presetClass="entr" presetSubtype="0" fill="hold" nodeType="withEffect">
-                                  <p:stCondLst>
-                                    <p:cond delay="0"/>
-                                  </p:stCondLst>
-                                  <p:childTnLst>
-                                    <p:set>
-                                      <p:cBhvr>
-                                        <p:cTn id="48" dur="1" fill="hold">
-                                          <p:stCondLst>
-                                            <p:cond delay="0"/>
-                                          </p:stCondLst>
-                                        </p:cTn>
-                                        <p:tgtEl>
-                                          <p:spTgt spid="31"/>
-                                        </p:tgtEl>
-                                        <p:attrNameLst>
-                                          <p:attrName>style.visibility</p:attrName>
-                                        </p:attrNameLst>
-                                      </p:cBhvr>
-                                      <p:to>
-                                        <p:strVal val="visible"/>
-                                      </p:to>
-                                    </p:set>
-                                    <p:animEffect transition="in" filter="fade">
-                                      <p:cBhvr>
-                                        <p:cTn id="49" dur="500"/>
-                                        <p:tgtEl>
-                                          <p:spTgt spid="31"/>
                                         </p:tgtEl>
                                       </p:cBhvr>
                                     </p:animEffect>
@@ -29510,8 +29956,11 @@
     </p:tnLst>
     <p:bldLst>
       <p:bldP spid="25" grpId="0" animBg="1"/>
+      <p:bldP spid="9" grpId="0" animBg="1"/>
       <p:bldP spid="11" grpId="0" animBg="1"/>
       <p:bldP spid="12" grpId="0" animBg="1"/>
+      <p:bldP spid="17" grpId="0" animBg="1"/>
+      <p:bldP spid="2" grpId="0" animBg="1"/>
       <p:bldP spid="26" grpId="0" animBg="1"/>
       <p:bldP spid="28" grpId="0" animBg="1"/>
       <p:bldP spid="30" grpId="0" animBg="1"/>
@@ -30046,6 +30495,177 @@
     <p:extLst>
       <p:ext uri="{BB962C8B-B14F-4D97-AF65-F5344CB8AC3E}">
         <p14:creationId xmlns:p14="http://schemas.microsoft.com/office/powerpoint/2010/main" val="488183526"/>
+      </p:ext>
+    </p:extLst>
+  </p:cSld>
+  <p:clrMapOvr>
+    <a:masterClrMapping/>
+  </p:clrMapOvr>
+</p:sld>
+</file>
+
+<file path=ppt/slides/slide24.xml><?xml version="1.0" encoding="utf-8"?>
+<p:sld xmlns:a="http://schemas.openxmlformats.org/drawingml/2006/main" xmlns:r="http://schemas.openxmlformats.org/officeDocument/2006/relationships" xmlns:p="http://schemas.openxmlformats.org/presentationml/2006/main">
+  <p:cSld>
+    <p:spTree>
+      <p:nvGrpSpPr>
+        <p:cNvPr id="1" name=""/>
+        <p:cNvGrpSpPr/>
+        <p:nvPr/>
+      </p:nvGrpSpPr>
+      <p:grpSpPr>
+        <a:xfrm>
+          <a:off x="0" y="0"/>
+          <a:ext cx="0" cy="0"/>
+          <a:chOff x="0" y="0"/>
+          <a:chExt cx="0" cy="0"/>
+        </a:xfrm>
+      </p:grpSpPr>
+      <p:sp>
+        <p:nvSpPr>
+          <p:cNvPr id="4" name="Title 3">
+            <a:extLst>
+              <a:ext uri="{FF2B5EF4-FFF2-40B4-BE49-F238E27FC236}">
+                <a16:creationId xmlns:a16="http://schemas.microsoft.com/office/drawing/2014/main" id="{DDF9A974-6826-4B61-B7D8-76EBA1C8DEFC}"/>
+              </a:ext>
+            </a:extLst>
+          </p:cNvPr>
+          <p:cNvSpPr>
+            <a:spLocks noGrp="1"/>
+          </p:cNvSpPr>
+          <p:nvPr>
+            <p:ph type="title"/>
+          </p:nvPr>
+        </p:nvSpPr>
+        <p:spPr/>
+        <p:txBody>
+          <a:bodyPr/>
+          <a:lstStyle/>
+          <a:p>
+            <a:r>
+              <a:rPr lang="en-US" dirty="0"/>
+              <a:t>REFERENCES</a:t>
+            </a:r>
+          </a:p>
+        </p:txBody>
+      </p:sp>
+      <p:sp>
+        <p:nvSpPr>
+          <p:cNvPr id="5" name="Content Placeholder 4">
+            <a:extLst>
+              <a:ext uri="{FF2B5EF4-FFF2-40B4-BE49-F238E27FC236}">
+                <a16:creationId xmlns:a16="http://schemas.microsoft.com/office/drawing/2014/main" id="{F31F196C-B6E4-4F00-AB30-6B01FB6AE461}"/>
+              </a:ext>
+            </a:extLst>
+          </p:cNvPr>
+          <p:cNvSpPr>
+            <a:spLocks noGrp="1"/>
+          </p:cNvSpPr>
+          <p:nvPr>
+            <p:ph sz="quarter" idx="10"/>
+          </p:nvPr>
+        </p:nvSpPr>
+        <p:spPr/>
+        <p:txBody>
+          <a:bodyPr/>
+          <a:lstStyle/>
+          <a:p>
+            <a:pPr marL="0" indent="0">
+              <a:lnSpc>
+                <a:spcPct val="150000"/>
+              </a:lnSpc>
+              <a:buNone/>
+            </a:pPr>
+            <a:r>
+              <a:rPr lang="en-US" sz="1800" dirty="0">
+                <a:hlinkClick r:id="rId2">
+                  <a:extLst>
+                    <a:ext uri="{A12FA001-AC4F-418D-AE19-62706E023703}">
+                      <ahyp:hlinkClr xmlns:ahyp="http://schemas.microsoft.com/office/drawing/2018/hyperlinkcolor" val="tx"/>
+                    </a:ext>
+                  </a:extLst>
+                </a:hlinkClick>
+              </a:rPr>
+              <a:t>https://junit.org/junit5/docs</a:t>
+            </a:r>
+            <a:endParaRPr lang="en-US" sz="1800" dirty="0"/>
+          </a:p>
+          <a:p>
+            <a:pPr marL="0" indent="0">
+              <a:lnSpc>
+                <a:spcPct val="150000"/>
+              </a:lnSpc>
+              <a:buNone/>
+            </a:pPr>
+            <a:r>
+              <a:rPr lang="en-US" sz="1800" dirty="0">
+                <a:hlinkClick r:id="rId3">
+                  <a:extLst>
+                    <a:ext uri="{A12FA001-AC4F-418D-AE19-62706E023703}">
+                      <ahyp:hlinkClr xmlns:ahyp="http://schemas.microsoft.com/office/drawing/2018/hyperlinkcolor" val="tx"/>
+                    </a:ext>
+                  </a:extLst>
+                </a:hlinkClick>
+              </a:rPr>
+              <a:t>https://javadoc.io/doc/org.mockito/</a:t>
+            </a:r>
+            <a:r>
+              <a:rPr lang="en-US" sz="1800" dirty="0">
+                <a:hlinkClick r:id="rId3">
+                  <a:extLst>
+                    <a:ext uri="{A12FA001-AC4F-418D-AE19-62706E023703}">
+                      <ahyp:hlinkClr xmlns:ahyp="http://schemas.microsoft.com/office/drawing/2018/hyperlinkcolor" val="tx"/>
+                    </a:ext>
+                  </a:extLst>
+                </a:hlinkClick>
+              </a:rPr>
+              <a:t>m</a:t>
+            </a:r>
+            <a:r>
+              <a:rPr lang="en-US" sz="1800" dirty="0">
+                <a:hlinkClick r:id="rId3">
+                  <a:extLst>
+                    <a:ext uri="{A12FA001-AC4F-418D-AE19-62706E023703}">
+                      <ahyp:hlinkClr xmlns:ahyp="http://schemas.microsoft.com/office/drawing/2018/hyperlinkcolor" val="tx"/>
+                    </a:ext>
+                  </a:extLst>
+                </a:hlinkClick>
+              </a:rPr>
+              <a:t>ockito-core/latest/org/mockito/Mockito.html</a:t>
+            </a:r>
+            <a:endParaRPr lang="en-US" sz="1800" dirty="0"/>
+          </a:p>
+          <a:p>
+            <a:pPr marL="0" indent="0">
+              <a:lnSpc>
+                <a:spcPct val="150000"/>
+              </a:lnSpc>
+              <a:buNone/>
+            </a:pPr>
+            <a:endParaRPr lang="en-US" sz="3200" dirty="0"/>
+          </a:p>
+          <a:p>
+            <a:pPr>
+              <a:lnSpc>
+                <a:spcPct val="150000"/>
+              </a:lnSpc>
+            </a:pPr>
+            <a:endParaRPr lang="en-US" sz="4000" dirty="0"/>
+          </a:p>
+          <a:p>
+            <a:pPr>
+              <a:lnSpc>
+                <a:spcPct val="150000"/>
+              </a:lnSpc>
+            </a:pPr>
+            <a:endParaRPr lang="en-US" sz="4000" dirty="0"/>
+          </a:p>
+        </p:txBody>
+      </p:sp>
+    </p:spTree>
+    <p:extLst>
+      <p:ext uri="{BB962C8B-B14F-4D97-AF65-F5344CB8AC3E}">
+        <p14:creationId xmlns:p14="http://schemas.microsoft.com/office/powerpoint/2010/main" val="2509124941"/>
       </p:ext>
     </p:extLst>
   </p:cSld>

--- a/slides/junit5_basics.pptx
+++ b/slides/junit5_basics.pptx
@@ -239,7 +239,7 @@
           <a:p>
             <a:fld id="{3FDC14FC-A894-4869-A797-1EC82735D106}" type="datetimeFigureOut">
               <a:rPr lang="en-US" smtClean="0"/>
-              <a:t>9/14/2020</a:t>
+              <a:t>9/16/2020</a:t>
             </a:fld>
             <a:endParaRPr lang="en-US"/>
           </a:p>
@@ -404,7 +404,7 @@
           <a:p>
             <a:fld id="{B4F99C05-63F9-4248-8E20-3ACD9DF9DE7F}" type="datetimeFigureOut">
               <a:rPr lang="en-US" smtClean="0"/>
-              <a:t>9/14/2020</a:t>
+              <a:t>9/16/2020</a:t>
             </a:fld>
             <a:endParaRPr lang="en-US"/>
           </a:p>
@@ -10681,7 +10681,7 @@
           </a:ln>
           <a:extLst>
             <a:ext uri="{C572A759-6A51-4108-AA02-DFA0A04FC94B}">
-              <ma14:wrappingTextBoxFlag xmlns:ma14="http://schemas.microsoft.com/office/mac/drawingml/2011/main" xmlns="" val="1"/>
+              <ma14:wrappingTextBoxFlag xmlns="" xmlns:ma14="http://schemas.microsoft.com/office/mac/drawingml/2011/main" val="1"/>
             </a:ext>
           </a:extLst>
         </p:spPr>
@@ -11973,7 +11973,7 @@
           <a:p>
             <a:fld id="{09AE1A03-4B70-45D5-96E7-D979506502C0}" type="datetimeFigureOut">
               <a:rPr lang="en-US" smtClean="0"/>
-              <a:t>9/14/2020</a:t>
+              <a:t>9/16/2020</a:t>
             </a:fld>
             <a:endParaRPr lang="en-US"/>
           </a:p>
@@ -30586,6 +30586,26 @@
                   </a:extLst>
                 </a:hlinkClick>
               </a:rPr>
+              <a:t>https://github.com/gitaroktato/junit5-lectures</a:t>
+            </a:r>
+          </a:p>
+          <a:p>
+            <a:pPr marL="0" indent="0">
+              <a:lnSpc>
+                <a:spcPct val="150000"/>
+              </a:lnSpc>
+              <a:buNone/>
+            </a:pPr>
+            <a:r>
+              <a:rPr lang="en-US" sz="1800" dirty="0">
+                <a:hlinkClick r:id="rId2">
+                  <a:extLst>
+                    <a:ext uri="{A12FA001-AC4F-418D-AE19-62706E023703}">
+                      <ahyp:hlinkClr xmlns:ahyp="http://schemas.microsoft.com/office/drawing/2018/hyperlinkcolor" val="tx"/>
+                    </a:ext>
+                  </a:extLst>
+                </a:hlinkClick>
+              </a:rPr>
               <a:t>https://junit.org/junit5/docs</a:t>
             </a:r>
             <a:endParaRPr lang="en-US" sz="1800" dirty="0"/>
@@ -30607,31 +30627,7 @@
                   </a:extLst>
                 </a:hlinkClick>
               </a:rPr>
-              <a:t>https://javadoc.io/doc/org.mockito/</a:t>
-            </a:r>
-            <a:r>
-              <a:rPr lang="en-US" sz="1800" dirty="0">
-                <a:hlinkClick r:id="rId3">
-                  <a:extLst>
-                    <a:ext uri="{A12FA001-AC4F-418D-AE19-62706E023703}">
-                      <ahyp:hlinkClr xmlns:ahyp="http://schemas.microsoft.com/office/drawing/2018/hyperlinkcolor" val="tx"/>
-                    </a:ext>
-                  </a:extLst>
-                </a:hlinkClick>
-              </a:rPr>
-              <a:t>m</a:t>
-            </a:r>
-            <a:r>
-              <a:rPr lang="en-US" sz="1800" dirty="0">
-                <a:hlinkClick r:id="rId3">
-                  <a:extLst>
-                    <a:ext uri="{A12FA001-AC4F-418D-AE19-62706E023703}">
-                      <ahyp:hlinkClr xmlns:ahyp="http://schemas.microsoft.com/office/drawing/2018/hyperlinkcolor" val="tx"/>
-                    </a:ext>
-                  </a:extLst>
-                </a:hlinkClick>
-              </a:rPr>
-              <a:t>ockito-core/latest/org/mockito/Mockito.html</a:t>
+              <a:t>https://javadoc.io/doc/org.mockito/mockito-core/latest/org/mockito/Mockito.html</a:t>
             </a:r>
             <a:endParaRPr lang="en-US" sz="1800" dirty="0"/>
           </a:p>

--- a/slides/junit5_basics.pptx
+++ b/slides/junit5_basics.pptx
@@ -239,7 +239,7 @@
           <a:p>
             <a:fld id="{3FDC14FC-A894-4869-A797-1EC82735D106}" type="datetimeFigureOut">
               <a:rPr lang="en-US" smtClean="0"/>
-              <a:t>9/14/2020</a:t>
+              <a:t>9/21/2020</a:t>
             </a:fld>
             <a:endParaRPr lang="en-US"/>
           </a:p>
@@ -404,7 +404,7 @@
           <a:p>
             <a:fld id="{B4F99C05-63F9-4248-8E20-3ACD9DF9DE7F}" type="datetimeFigureOut">
               <a:rPr lang="en-US" smtClean="0"/>
-              <a:t>9/14/2020</a:t>
+              <a:t>9/21/2020</a:t>
             </a:fld>
             <a:endParaRPr lang="en-US"/>
           </a:p>
@@ -10681,7 +10681,7 @@
           </a:ln>
           <a:extLst>
             <a:ext uri="{C572A759-6A51-4108-AA02-DFA0A04FC94B}">
-              <ma14:wrappingTextBoxFlag xmlns:ma14="http://schemas.microsoft.com/office/mac/drawingml/2011/main" xmlns="" val="1"/>
+              <ma14:wrappingTextBoxFlag xmlns="" xmlns:ma14="http://schemas.microsoft.com/office/mac/drawingml/2011/main" val="1"/>
             </a:ext>
           </a:extLst>
         </p:spPr>
@@ -11973,7 +11973,7 @@
           <a:p>
             <a:fld id="{09AE1A03-4B70-45D5-96E7-D979506502C0}" type="datetimeFigureOut">
               <a:rPr lang="en-US" smtClean="0"/>
-              <a:t>9/14/2020</a:t>
+              <a:t>9/21/2020</a:t>
             </a:fld>
             <a:endParaRPr lang="en-US"/>
           </a:p>
@@ -30586,6 +30586,26 @@
                   </a:extLst>
                 </a:hlinkClick>
               </a:rPr>
+              <a:t>https://github.com/gitaroktato/junit5-lectures</a:t>
+            </a:r>
+          </a:p>
+          <a:p>
+            <a:pPr marL="0" indent="0">
+              <a:lnSpc>
+                <a:spcPct val="150000"/>
+              </a:lnSpc>
+              <a:buNone/>
+            </a:pPr>
+            <a:r>
+              <a:rPr lang="en-US" sz="1800" dirty="0">
+                <a:hlinkClick r:id="rId2">
+                  <a:extLst>
+                    <a:ext uri="{A12FA001-AC4F-418D-AE19-62706E023703}">
+                      <ahyp:hlinkClr xmlns:ahyp="http://schemas.microsoft.com/office/drawing/2018/hyperlinkcolor" val="tx"/>
+                    </a:ext>
+                  </a:extLst>
+                </a:hlinkClick>
+              </a:rPr>
               <a:t>https://junit.org/junit5/docs</a:t>
             </a:r>
             <a:endParaRPr lang="en-US" sz="1800" dirty="0"/>
@@ -30607,31 +30627,7 @@
                   </a:extLst>
                 </a:hlinkClick>
               </a:rPr>
-              <a:t>https://javadoc.io/doc/org.mockito/</a:t>
-            </a:r>
-            <a:r>
-              <a:rPr lang="en-US" sz="1800" dirty="0">
-                <a:hlinkClick r:id="rId3">
-                  <a:extLst>
-                    <a:ext uri="{A12FA001-AC4F-418D-AE19-62706E023703}">
-                      <ahyp:hlinkClr xmlns:ahyp="http://schemas.microsoft.com/office/drawing/2018/hyperlinkcolor" val="tx"/>
-                    </a:ext>
-                  </a:extLst>
-                </a:hlinkClick>
-              </a:rPr>
-              <a:t>m</a:t>
-            </a:r>
-            <a:r>
-              <a:rPr lang="en-US" sz="1800" dirty="0">
-                <a:hlinkClick r:id="rId3">
-                  <a:extLst>
-                    <a:ext uri="{A12FA001-AC4F-418D-AE19-62706E023703}">
-                      <ahyp:hlinkClr xmlns:ahyp="http://schemas.microsoft.com/office/drawing/2018/hyperlinkcolor" val="tx"/>
-                    </a:ext>
-                  </a:extLst>
-                </a:hlinkClick>
-              </a:rPr>
-              <a:t>ockito-core/latest/org/mockito/Mockito.html</a:t>
+              <a:t>https://javadoc.io/doc/org.mockito/mockito-core/latest/org/mockito/Mockito.html</a:t>
             </a:r>
             <a:endParaRPr lang="en-US" sz="1800" dirty="0"/>
           </a:p>
